--- a/clases/01-Introduccion.pptx
+++ b/clases/01-Introduccion.pptx
@@ -20670,7 +20670,7 @@
             <a:pPr lvl="1"/>
             <a:r>
               <a:rPr lang="es-CL" dirty="0"/>
-              <a:t>Se elimina el peor laboratorio.</a:t>
+              <a:t>Se elimina el laboratorio con la peor nota.</a:t>
             </a:r>
           </a:p>
         </p:txBody>
@@ -21049,7 +21049,15 @@
             </a:pPr>
             <a:r>
               <a:rPr lang="es-ES" dirty="0"/>
-              <a:t>Días bonus: 5 días hábiles para atrasarse sin penalización y distribuibles como ustedes quieran.</a:t>
+              <a:t>Días bonus: </a:t>
+            </a:r>
+            <a:r>
+              <a:rPr lang="es-ES"/>
+              <a:t>7 días para </a:t>
+            </a:r>
+            <a:r>
+              <a:rPr lang="es-ES" dirty="0"/>
+              <a:t>atrasarse sin penalización y distribuibles como ustedes quieran.</a:t>
             </a:r>
           </a:p>
           <a:p>

--- a/clases/01-Introduccion.pptx
+++ b/clases/01-Introduccion.pptx
@@ -11562,7 +11562,7 @@
           <a:p>
             <a:fld id="{96EA5275-2C3C-4439-9BF8-CBB592A842DF}" type="datetimeFigureOut">
               <a:rPr lang="es-CL" smtClean="0"/>
-              <a:t>15-03-2021</a:t>
+              <a:t>03-05-2021</a:t>
             </a:fld>
             <a:endParaRPr lang="es-CL"/>
           </a:p>
@@ -12224,7 +12224,7 @@
           <a:p>
             <a:fld id="{BEC697C3-C264-4554-BD49-72F486D29C2A}" type="datetimeFigureOut">
               <a:rPr lang="es-CL" smtClean="0"/>
-              <a:t>15-03-2021</a:t>
+              <a:t>03-05-2021</a:t>
             </a:fld>
             <a:endParaRPr lang="es-CL"/>
           </a:p>
@@ -12432,7 +12432,7 @@
           <a:p>
             <a:fld id="{BEC697C3-C264-4554-BD49-72F486D29C2A}" type="datetimeFigureOut">
               <a:rPr lang="es-CL" smtClean="0"/>
-              <a:t>15-03-2021</a:t>
+              <a:t>03-05-2021</a:t>
             </a:fld>
             <a:endParaRPr lang="es-CL"/>
           </a:p>
@@ -12688,7 +12688,7 @@
           <a:p>
             <a:fld id="{BEC697C3-C264-4554-BD49-72F486D29C2A}" type="datetimeFigureOut">
               <a:rPr lang="es-CL" smtClean="0"/>
-              <a:t>15-03-2021</a:t>
+              <a:t>03-05-2021</a:t>
             </a:fld>
             <a:endParaRPr lang="es-CL"/>
           </a:p>
@@ -12858,7 +12858,7 @@
           <a:p>
             <a:fld id="{BEC697C3-C264-4554-BD49-72F486D29C2A}" type="datetimeFigureOut">
               <a:rPr lang="es-CL" smtClean="0"/>
-              <a:t>15-03-2021</a:t>
+              <a:t>03-05-2021</a:t>
             </a:fld>
             <a:endParaRPr lang="es-CL"/>
           </a:p>
@@ -13201,7 +13201,7 @@
           <a:p>
             <a:fld id="{BEC697C3-C264-4554-BD49-72F486D29C2A}" type="datetimeFigureOut">
               <a:rPr lang="es-CL" smtClean="0"/>
-              <a:t>15-03-2021</a:t>
+              <a:t>03-05-2021</a:t>
             </a:fld>
             <a:endParaRPr lang="es-CL"/>
           </a:p>
@@ -13476,7 +13476,7 @@
           <a:p>
             <a:fld id="{BEC697C3-C264-4554-BD49-72F486D29C2A}" type="datetimeFigureOut">
               <a:rPr lang="es-CL" smtClean="0"/>
-              <a:t>15-03-2021</a:t>
+              <a:t>03-05-2021</a:t>
             </a:fld>
             <a:endParaRPr lang="es-CL"/>
           </a:p>
@@ -13855,7 +13855,7 @@
           <a:p>
             <a:fld id="{BEC697C3-C264-4554-BD49-72F486D29C2A}" type="datetimeFigureOut">
               <a:rPr lang="es-CL" smtClean="0"/>
-              <a:t>15-03-2021</a:t>
+              <a:t>03-05-2021</a:t>
             </a:fld>
             <a:endParaRPr lang="es-CL"/>
           </a:p>
@@ -13973,7 +13973,7 @@
           <a:p>
             <a:fld id="{BEC697C3-C264-4554-BD49-72F486D29C2A}" type="datetimeFigureOut">
               <a:rPr lang="es-CL" smtClean="0"/>
-              <a:t>15-03-2021</a:t>
+              <a:t>03-05-2021</a:t>
             </a:fld>
             <a:endParaRPr lang="es-CL"/>
           </a:p>
@@ -14144,7 +14144,7 @@
           <a:p>
             <a:fld id="{BEC697C3-C264-4554-BD49-72F486D29C2A}" type="datetimeFigureOut">
               <a:rPr lang="es-CL" smtClean="0"/>
-              <a:t>15-03-2021</a:t>
+              <a:t>03-05-2021</a:t>
             </a:fld>
             <a:endParaRPr lang="es-CL"/>
           </a:p>
@@ -14498,7 +14498,7 @@
           <a:p>
             <a:fld id="{BEC697C3-C264-4554-BD49-72F486D29C2A}" type="datetimeFigureOut">
               <a:rPr lang="es-CL" smtClean="0"/>
-              <a:t>15-03-2021</a:t>
+              <a:t>03-05-2021</a:t>
             </a:fld>
             <a:endParaRPr lang="es-CL"/>
           </a:p>
@@ -14875,7 +14875,7 @@
           <a:p>
             <a:fld id="{BEC697C3-C264-4554-BD49-72F486D29C2A}" type="datetimeFigureOut">
               <a:rPr lang="es-CL" smtClean="0"/>
-              <a:t>15-03-2021</a:t>
+              <a:t>03-05-2021</a:t>
             </a:fld>
             <a:endParaRPr lang="es-CL"/>
           </a:p>
@@ -15162,7 +15162,7 @@
           <a:p>
             <a:fld id="{BEC697C3-C264-4554-BD49-72F486D29C2A}" type="datetimeFigureOut">
               <a:rPr lang="es-CL" smtClean="0"/>
-              <a:t>15-03-2021</a:t>
+              <a:t>03-05-2021</a:t>
             </a:fld>
             <a:endParaRPr lang="es-CL"/>
           </a:p>
@@ -20491,11 +20491,11 @@
             </a:pPr>
             <a:r>
               <a:rPr lang="es-CL" sz="2600" b="1" dirty="0"/>
-              <a:t>📝 </a:t>
+              <a:t>📝 3</a:t>
             </a:r>
             <a:r>
               <a:rPr lang="es-ES" sz="2600" b="1" dirty="0"/>
-              <a:t>4 tareas. </a:t>
+              <a:t> tareas. </a:t>
             </a:r>
           </a:p>
         </p:txBody>
